--- a/Jump/企画書.pptx
+++ b/Jump/企画書.pptx
@@ -7,13 +7,11 @@
   <p:sldIdLst>
     <p:sldId id="256" r:id="rId2"/>
     <p:sldId id="257" r:id="rId3"/>
-    <p:sldId id="264" r:id="rId4"/>
-    <p:sldId id="258" r:id="rId5"/>
-    <p:sldId id="260" r:id="rId6"/>
-    <p:sldId id="259" r:id="rId7"/>
-    <p:sldId id="263" r:id="rId8"/>
-    <p:sldId id="261" r:id="rId9"/>
-    <p:sldId id="262" r:id="rId10"/>
+    <p:sldId id="258" r:id="rId4"/>
+    <p:sldId id="260" r:id="rId5"/>
+    <p:sldId id="259" r:id="rId6"/>
+    <p:sldId id="263" r:id="rId7"/>
+    <p:sldId id="261" r:id="rId8"/>
   </p:sldIdLst>
   <p:sldSz cx="12192000" cy="6858000"/>
   <p:notesSz cx="6858000" cy="9144000"/>
@@ -8473,46 +8471,178 @@
       </p:grpSpPr>
       <p:sp>
         <p:nvSpPr>
-          <p:cNvPr id="2" name="タイトル 1">
+          <p:cNvPr id="4" name="タイトル 1">
             <a:extLst>
               <a:ext uri="{FF2B5EF4-FFF2-40B4-BE49-F238E27FC236}">
-                <a16:creationId xmlns:a16="http://schemas.microsoft.com/office/drawing/2014/main" id="{B644DF9D-57F5-4D38-9915-80FB4840B0CA}"/>
+                <a16:creationId xmlns:a16="http://schemas.microsoft.com/office/drawing/2014/main" id="{360F58AA-F423-4F50-9E6B-F48FA5F649FF}"/>
               </a:ext>
             </a:extLst>
           </p:cNvPr>
-          <p:cNvSpPr>
-            <a:spLocks noGrp="1"/>
-          </p:cNvSpPr>
-          <p:nvPr>
-            <p:ph type="title"/>
-          </p:nvPr>
+          <p:cNvSpPr txBox="1">
+            <a:spLocks/>
+          </p:cNvSpPr>
+          <p:nvPr/>
         </p:nvSpPr>
         <p:spPr>
           <a:xfrm>
-            <a:off x="1640156" y="636989"/>
-            <a:ext cx="8911687" cy="1280890"/>
+            <a:off x="1243341" y="1182095"/>
+            <a:ext cx="2458793" cy="1723398"/>
           </a:xfrm>
+          <a:prstGeom prst="rect">
+            <a:avLst/>
+          </a:prstGeom>
         </p:spPr>
         <p:txBody>
-          <a:bodyPr/>
-          <a:lstStyle/>
-          <a:p>
-            <a:r>
-              <a:rPr kumimoji="1" lang="ja-JP" altLang="en-US" dirty="0">
+          <a:bodyPr vert="horz" lIns="91440" tIns="45720" rIns="91440" bIns="45720" rtlCol="0" anchor="ctr">
+            <a:normAutofit/>
+          </a:bodyPr>
+          <a:lstStyle>
+            <a:lvl1pPr algn="l" defTabSz="914400" rtl="0" eaLnBrk="1" latinLnBrk="0" hangingPunct="1">
+              <a:lnSpc>
+                <a:spcPct val="90000"/>
+              </a:lnSpc>
+              <a:spcBef>
+                <a:spcPct val="0"/>
+              </a:spcBef>
+              <a:buNone/>
+              <a:defRPr kumimoji="1" sz="4400" kern="1200">
+                <a:solidFill>
+                  <a:schemeClr val="tx1"/>
+                </a:solidFill>
+                <a:latin typeface="+mj-lt"/>
+                <a:ea typeface="+mj-ea"/>
+                <a:cs typeface="+mj-cs"/>
+              </a:defRPr>
+            </a:lvl1pPr>
+          </a:lstStyle>
+          <a:p>
+            <a:r>
+              <a:rPr lang="ja-JP" altLang="en-US" sz="2800" dirty="0">
                 <a:latin typeface="HG明朝E" panose="02020909000000000000" pitchFamily="17" charset="-128"/>
                 <a:ea typeface="HG明朝E" panose="02020909000000000000" pitchFamily="17" charset="-128"/>
               </a:rPr>
-              <a:t>やりたいこと</a:t>
-            </a:r>
-          </a:p>
-        </p:txBody>
-      </p:sp>
-      <p:sp>
-        <p:nvSpPr>
-          <p:cNvPr id="4" name="テキスト ボックス 3">
+              <a:t>・ジャンプ</a:t>
+            </a:r>
+            <a:endParaRPr lang="en-US" altLang="ja-JP" sz="2800" dirty="0">
+              <a:latin typeface="HG明朝E" panose="02020909000000000000" pitchFamily="17" charset="-128"/>
+              <a:ea typeface="HG明朝E" panose="02020909000000000000" pitchFamily="17" charset="-128"/>
+            </a:endParaRPr>
+          </a:p>
+          <a:p>
+            <a:r>
+              <a:rPr lang="ja-JP" altLang="en-US" sz="2800" dirty="0">
+                <a:latin typeface="HG明朝E" panose="02020909000000000000" pitchFamily="17" charset="-128"/>
+                <a:ea typeface="HG明朝E" panose="02020909000000000000" pitchFamily="17" charset="-128"/>
+              </a:rPr>
+              <a:t>・ダッシュ</a:t>
+            </a:r>
+            <a:endParaRPr lang="en-US" altLang="ja-JP" sz="2800" dirty="0">
+              <a:latin typeface="HG明朝E" panose="02020909000000000000" pitchFamily="17" charset="-128"/>
+              <a:ea typeface="HG明朝E" panose="02020909000000000000" pitchFamily="17" charset="-128"/>
+            </a:endParaRPr>
+          </a:p>
+          <a:p>
+            <a:r>
+              <a:rPr lang="ja-JP" altLang="en-US" sz="2800" dirty="0">
+                <a:latin typeface="HG明朝E" panose="02020909000000000000" pitchFamily="17" charset="-128"/>
+                <a:ea typeface="HG明朝E" panose="02020909000000000000" pitchFamily="17" charset="-128"/>
+              </a:rPr>
+              <a:t>・移動</a:t>
+            </a:r>
+            <a:endParaRPr lang="en-US" altLang="ja-JP" sz="2800" dirty="0">
+              <a:latin typeface="HG明朝E" panose="02020909000000000000" pitchFamily="17" charset="-128"/>
+              <a:ea typeface="HG明朝E" panose="02020909000000000000" pitchFamily="17" charset="-128"/>
+            </a:endParaRPr>
+          </a:p>
+          <a:p>
+            <a:r>
+              <a:rPr lang="ja-JP" altLang="en-US" sz="2800" dirty="0">
+                <a:latin typeface="HG明朝E" panose="02020909000000000000" pitchFamily="17" charset="-128"/>
+                <a:ea typeface="HG明朝E" panose="02020909000000000000" pitchFamily="17" charset="-128"/>
+              </a:rPr>
+              <a:t>・</a:t>
+            </a:r>
+            <a:r>
+              <a:rPr lang="ja-JP" altLang="en-US" sz="2800" dirty="0">
+                <a:solidFill>
+                  <a:srgbClr val="FF0000"/>
+                </a:solidFill>
+                <a:latin typeface="HG明朝E" panose="02020909000000000000" pitchFamily="17" charset="-128"/>
+                <a:ea typeface="HG明朝E" panose="02020909000000000000" pitchFamily="17" charset="-128"/>
+              </a:rPr>
+              <a:t>自爆</a:t>
+            </a:r>
+          </a:p>
+        </p:txBody>
+      </p:sp>
+      <p:sp>
+        <p:nvSpPr>
+          <p:cNvPr id="5" name="タイトル 1">
             <a:extLst>
               <a:ext uri="{FF2B5EF4-FFF2-40B4-BE49-F238E27FC236}">
-                <a16:creationId xmlns:a16="http://schemas.microsoft.com/office/drawing/2014/main" id="{D1DA2DE2-5255-4DDA-9A4C-05733116B627}"/>
+                <a16:creationId xmlns:a16="http://schemas.microsoft.com/office/drawing/2014/main" id="{F972C58D-6420-4C70-860E-15C8794E08DF}"/>
+              </a:ext>
+            </a:extLst>
+          </p:cNvPr>
+          <p:cNvSpPr txBox="1">
+            <a:spLocks/>
+          </p:cNvSpPr>
+          <p:nvPr/>
+        </p:nvSpPr>
+        <p:spPr>
+          <a:xfrm>
+            <a:off x="1614518" y="444358"/>
+            <a:ext cx="4406774" cy="1057963"/>
+          </a:xfrm>
+          <a:prstGeom prst="rect">
+            <a:avLst/>
+          </a:prstGeom>
+        </p:spPr>
+        <p:txBody>
+          <a:bodyPr vert="horz" lIns="91440" tIns="45720" rIns="91440" bIns="45720" rtlCol="0" anchor="ctr">
+            <a:normAutofit/>
+          </a:bodyPr>
+          <a:lstStyle>
+            <a:lvl1pPr algn="l" defTabSz="914400" rtl="0" eaLnBrk="1" latinLnBrk="0" hangingPunct="1">
+              <a:lnSpc>
+                <a:spcPct val="90000"/>
+              </a:lnSpc>
+              <a:spcBef>
+                <a:spcPct val="0"/>
+              </a:spcBef>
+              <a:buNone/>
+              <a:defRPr kumimoji="1" sz="4400" kern="1200">
+                <a:solidFill>
+                  <a:schemeClr val="tx1"/>
+                </a:solidFill>
+                <a:latin typeface="+mj-lt"/>
+                <a:ea typeface="+mj-ea"/>
+                <a:cs typeface="+mj-cs"/>
+              </a:defRPr>
+            </a:lvl1pPr>
+          </a:lstStyle>
+          <a:p>
+            <a:r>
+              <a:rPr lang="ja-JP" altLang="en-US" sz="3200" dirty="0">
+                <a:solidFill>
+                  <a:schemeClr val="accent2">
+                    <a:lumMod val="75000"/>
+                  </a:schemeClr>
+                </a:solidFill>
+                <a:latin typeface="HG明朝E" panose="02020909000000000000" pitchFamily="17" charset="-128"/>
+                <a:ea typeface="HG明朝E" panose="02020909000000000000" pitchFamily="17" charset="-128"/>
+              </a:rPr>
+              <a:t>プレイヤーが出来る事</a:t>
+            </a:r>
+          </a:p>
+        </p:txBody>
+      </p:sp>
+      <p:sp>
+        <p:nvSpPr>
+          <p:cNvPr id="6" name="テキスト ボックス 5">
+            <a:extLst>
+              <a:ext uri="{FF2B5EF4-FFF2-40B4-BE49-F238E27FC236}">
+                <a16:creationId xmlns:a16="http://schemas.microsoft.com/office/drawing/2014/main" id="{5F2485F8-0AFA-401F-8BA1-5D5427D5B559}"/>
               </a:ext>
             </a:extLst>
           </p:cNvPr>
@@ -8521,8 +8651,8 @@
         </p:nvSpPr>
         <p:spPr>
           <a:xfrm>
-            <a:off x="3204692" y="1792487"/>
-            <a:ext cx="5782614" cy="707886"/>
+            <a:off x="4979265" y="3266031"/>
+            <a:ext cx="5197159" cy="1200329"/>
           </a:xfrm>
           <a:prstGeom prst="rect">
             <a:avLst/>
@@ -8536,16 +8666,66 @@
           <a:lstStyle/>
           <a:p>
             <a:r>
-              <a:rPr kumimoji="1" lang="ja-JP" altLang="en-US" sz="4000" dirty="0">
+              <a:rPr kumimoji="1" lang="ja-JP" altLang="en-US" sz="3600" dirty="0">
                 <a:solidFill>
                   <a:srgbClr val="FF0000"/>
                 </a:solidFill>
                 <a:latin typeface="HG明朝E" panose="02020909000000000000" pitchFamily="17" charset="-128"/>
                 <a:ea typeface="HG明朝E" panose="02020909000000000000" pitchFamily="17" charset="-128"/>
               </a:rPr>
-              <a:t>シェーダをやりたい！！</a:t>
-            </a:r>
-            <a:endParaRPr kumimoji="1" lang="en-US" altLang="ja-JP" sz="4000" dirty="0">
+              <a:t>ただし発動すると残り</a:t>
+            </a:r>
+            <a:r>
+              <a:rPr kumimoji="1" lang="en-US" altLang="ja-JP" sz="3600" dirty="0">
+                <a:solidFill>
+                  <a:srgbClr val="FF0000"/>
+                </a:solidFill>
+                <a:latin typeface="HG明朝E" panose="02020909000000000000" pitchFamily="17" charset="-128"/>
+                <a:ea typeface="HG明朝E" panose="02020909000000000000" pitchFamily="17" charset="-128"/>
+              </a:rPr>
+              <a:t>HP</a:t>
+            </a:r>
+            <a:r>
+              <a:rPr kumimoji="1" lang="ja-JP" altLang="en-US" sz="3600" dirty="0">
+                <a:solidFill>
+                  <a:srgbClr val="FF0000"/>
+                </a:solidFill>
+                <a:latin typeface="HG明朝E" panose="02020909000000000000" pitchFamily="17" charset="-128"/>
+                <a:ea typeface="HG明朝E" panose="02020909000000000000" pitchFamily="17" charset="-128"/>
+              </a:rPr>
+              <a:t>が</a:t>
+            </a:r>
+            <a:r>
+              <a:rPr kumimoji="1" lang="en-US" altLang="ja-JP" sz="3600" dirty="0">
+                <a:solidFill>
+                  <a:srgbClr val="FF0000"/>
+                </a:solidFill>
+                <a:latin typeface="HG明朝E" panose="02020909000000000000" pitchFamily="17" charset="-128"/>
+                <a:ea typeface="HG明朝E" panose="02020909000000000000" pitchFamily="17" charset="-128"/>
+              </a:rPr>
+              <a:t>1</a:t>
+            </a:r>
+            <a:r>
+              <a:rPr kumimoji="1" lang="ja-JP" altLang="en-US" sz="3600" dirty="0">
+                <a:solidFill>
+                  <a:srgbClr val="FF0000"/>
+                </a:solidFill>
+                <a:latin typeface="HG明朝E" panose="02020909000000000000" pitchFamily="17" charset="-128"/>
+                <a:ea typeface="HG明朝E" panose="02020909000000000000" pitchFamily="17" charset="-128"/>
+              </a:rPr>
+              <a:t>になる</a:t>
+            </a:r>
+            <a:r>
+              <a:rPr kumimoji="1" lang="en-US" altLang="ja-JP" sz="3600" dirty="0">
+                <a:solidFill>
+                  <a:srgbClr val="FF0000"/>
+                </a:solidFill>
+                <a:latin typeface="HG明朝E" panose="02020909000000000000" pitchFamily="17" charset="-128"/>
+                <a:ea typeface="HG明朝E" panose="02020909000000000000" pitchFamily="17" charset="-128"/>
+              </a:rPr>
+              <a:t> </a:t>
+            </a:r>
+            <a:endParaRPr kumimoji="1" lang="ja-JP" altLang="en-US" sz="3600" dirty="0">
               <a:solidFill>
                 <a:srgbClr val="FF0000"/>
               </a:solidFill>
@@ -8557,10 +8737,10 @@
       </p:sp>
       <p:sp>
         <p:nvSpPr>
-          <p:cNvPr id="5" name="テキスト ボックス 4">
+          <p:cNvPr id="7" name="テキスト ボックス 6">
             <a:extLst>
               <a:ext uri="{FF2B5EF4-FFF2-40B4-BE49-F238E27FC236}">
-                <a16:creationId xmlns:a16="http://schemas.microsoft.com/office/drawing/2014/main" id="{7166CB27-20F9-4EA5-BF00-98A9D6CCFD09}"/>
+                <a16:creationId xmlns:a16="http://schemas.microsoft.com/office/drawing/2014/main" id="{688FBC89-402D-41B8-8983-61E62A407D28}"/>
               </a:ext>
             </a:extLst>
           </p:cNvPr>
@@ -8569,8 +8749,8 @@
         </p:nvSpPr>
         <p:spPr>
           <a:xfrm>
-            <a:off x="3504186" y="4436736"/>
-            <a:ext cx="5183624" cy="584775"/>
+            <a:off x="4972284" y="6152032"/>
+            <a:ext cx="5197159" cy="523220"/>
           </a:xfrm>
           <a:prstGeom prst="rect">
             <a:avLst/>
@@ -8584,63 +8764,78 @@
           <a:lstStyle/>
           <a:p>
             <a:r>
-              <a:rPr kumimoji="1" lang="ja-JP" altLang="en-US" sz="3200" dirty="0">
+              <a:rPr kumimoji="1" lang="en-US" altLang="ja-JP" sz="2800" dirty="0">
                 <a:latin typeface="HG明朝E" panose="02020909000000000000" pitchFamily="17" charset="-128"/>
                 <a:ea typeface="HG明朝E" panose="02020909000000000000" pitchFamily="17" charset="-128"/>
               </a:rPr>
-              <a:t>ゲーム性自体はシンプルに</a:t>
-            </a:r>
-          </a:p>
-        </p:txBody>
-      </p:sp>
-      <p:sp>
-        <p:nvSpPr>
-          <p:cNvPr id="6" name="矢印: 右 5">
+              <a:t>HP</a:t>
+            </a:r>
+            <a:r>
+              <a:rPr kumimoji="1" lang="ja-JP" altLang="en-US" sz="2800" dirty="0">
+                <a:latin typeface="HG明朝E" panose="02020909000000000000" pitchFamily="17" charset="-128"/>
+                <a:ea typeface="HG明朝E" panose="02020909000000000000" pitchFamily="17" charset="-128"/>
+              </a:rPr>
+              <a:t>が</a:t>
+            </a:r>
+            <a:r>
+              <a:rPr kumimoji="1" lang="en-US" altLang="ja-JP" sz="2800" dirty="0">
+                <a:latin typeface="HG明朝E" panose="02020909000000000000" pitchFamily="17" charset="-128"/>
+                <a:ea typeface="HG明朝E" panose="02020909000000000000" pitchFamily="17" charset="-128"/>
+              </a:rPr>
+              <a:t>0</a:t>
+            </a:r>
+            <a:r>
+              <a:rPr kumimoji="1" lang="ja-JP" altLang="en-US" sz="2800" dirty="0">
+                <a:latin typeface="HG明朝E" panose="02020909000000000000" pitchFamily="17" charset="-128"/>
+                <a:ea typeface="HG明朝E" panose="02020909000000000000" pitchFamily="17" charset="-128"/>
+              </a:rPr>
+              <a:t>になるとゲームオーバー</a:t>
+            </a:r>
+          </a:p>
+        </p:txBody>
+      </p:sp>
+      <p:sp>
+        <p:nvSpPr>
+          <p:cNvPr id="33" name="テキスト ボックス 32">
             <a:extLst>
               <a:ext uri="{FF2B5EF4-FFF2-40B4-BE49-F238E27FC236}">
-                <a16:creationId xmlns:a16="http://schemas.microsoft.com/office/drawing/2014/main" id="{77D18598-66C6-4A36-9ED4-FAEBCA29C0BC}"/>
+                <a16:creationId xmlns:a16="http://schemas.microsoft.com/office/drawing/2014/main" id="{99945CC3-35B9-4DE5-881E-13CDF32D2D78}"/>
               </a:ext>
             </a:extLst>
           </p:cNvPr>
-          <p:cNvSpPr/>
+          <p:cNvSpPr txBox="1"/>
           <p:nvPr/>
         </p:nvSpPr>
         <p:spPr>
-          <a:xfrm rot="5400000">
-            <a:off x="5243239" y="2948343"/>
-            <a:ext cx="1705519" cy="1159099"/>
+          <a:xfrm>
+            <a:off x="4979265" y="1760357"/>
+            <a:ext cx="3236378" cy="954107"/>
           </a:xfrm>
-          <a:prstGeom prst="rightArrow">
+          <a:prstGeom prst="rect">
             <a:avLst/>
           </a:prstGeom>
+          <a:noFill/>
         </p:spPr>
-        <p:style>
-          <a:lnRef idx="3">
-            <a:schemeClr val="lt1"/>
-          </a:lnRef>
-          <a:fillRef idx="1">
-            <a:schemeClr val="accent5"/>
-          </a:fillRef>
-          <a:effectRef idx="1">
-            <a:schemeClr val="accent5"/>
-          </a:effectRef>
-          <a:fontRef idx="minor">
-            <a:schemeClr val="lt1"/>
-          </a:fontRef>
-        </p:style>
-        <p:txBody>
-          <a:bodyPr rtlCol="0" anchor="ctr"/>
+        <p:txBody>
+          <a:bodyPr wrap="square" rtlCol="0">
+            <a:spAutoFit/>
+          </a:bodyPr>
           <a:lstStyle/>
           <a:p>
-            <a:pPr algn="ctr"/>
-            <a:endParaRPr kumimoji="1" lang="ja-JP" altLang="en-US"/>
+            <a:r>
+              <a:rPr kumimoji="1" lang="ja-JP" altLang="en-US" sz="2800" dirty="0">
+                <a:latin typeface="HG明朝E" panose="02020909000000000000" pitchFamily="17" charset="-128"/>
+                <a:ea typeface="HG明朝E" panose="02020909000000000000" pitchFamily="17" charset="-128"/>
+              </a:rPr>
+              <a:t>敵を踏みつけると倒すことができる</a:t>
+            </a:r>
           </a:p>
         </p:txBody>
       </p:sp>
     </p:spTree>
     <p:extLst>
       <p:ext uri="{BB962C8B-B14F-4D97-AF65-F5344CB8AC3E}">
-        <p14:creationId xmlns:p14="http://schemas.microsoft.com/office/powerpoint/2010/main" val="2986713017"/>
+        <p14:creationId xmlns:p14="http://schemas.microsoft.com/office/powerpoint/2010/main" val="2729121590"/>
       </p:ext>
     </p:extLst>
   </p:cSld>
@@ -8669,178 +8864,48 @@
       </p:grpSpPr>
       <p:sp>
         <p:nvSpPr>
-          <p:cNvPr id="4" name="タイトル 1">
+          <p:cNvPr id="2" name="タイトル 1">
             <a:extLst>
               <a:ext uri="{FF2B5EF4-FFF2-40B4-BE49-F238E27FC236}">
-                <a16:creationId xmlns:a16="http://schemas.microsoft.com/office/drawing/2014/main" id="{360F58AA-F423-4F50-9E6B-F48FA5F649FF}"/>
+                <a16:creationId xmlns:a16="http://schemas.microsoft.com/office/drawing/2014/main" id="{ABF6012A-B922-4560-A3B8-764E871DE6B0}"/>
               </a:ext>
             </a:extLst>
           </p:cNvPr>
-          <p:cNvSpPr txBox="1">
-            <a:spLocks/>
-          </p:cNvSpPr>
-          <p:nvPr/>
+          <p:cNvSpPr>
+            <a:spLocks noGrp="1"/>
+          </p:cNvSpPr>
+          <p:nvPr>
+            <p:ph type="title"/>
+          </p:nvPr>
         </p:nvSpPr>
         <p:spPr>
           <a:xfrm>
-            <a:off x="1243341" y="1182095"/>
-            <a:ext cx="2458793" cy="1723398"/>
+            <a:off x="1508973" y="511824"/>
+            <a:ext cx="2433035" cy="845488"/>
           </a:xfrm>
-          <a:prstGeom prst="rect">
-            <a:avLst/>
-          </a:prstGeom>
         </p:spPr>
         <p:txBody>
-          <a:bodyPr vert="horz" lIns="91440" tIns="45720" rIns="91440" bIns="45720" rtlCol="0" anchor="ctr">
+          <a:bodyPr>
             <a:normAutofit/>
           </a:bodyPr>
-          <a:lstStyle>
-            <a:lvl1pPr algn="l" defTabSz="914400" rtl="0" eaLnBrk="1" latinLnBrk="0" hangingPunct="1">
-              <a:lnSpc>
-                <a:spcPct val="90000"/>
-              </a:lnSpc>
-              <a:spcBef>
-                <a:spcPct val="0"/>
-              </a:spcBef>
-              <a:buNone/>
-              <a:defRPr kumimoji="1" sz="4400" kern="1200">
-                <a:solidFill>
-                  <a:schemeClr val="tx1"/>
-                </a:solidFill>
-                <a:latin typeface="+mj-lt"/>
-                <a:ea typeface="+mj-ea"/>
-                <a:cs typeface="+mj-cs"/>
-              </a:defRPr>
-            </a:lvl1pPr>
-          </a:lstStyle>
-          <a:p>
-            <a:r>
-              <a:rPr lang="ja-JP" altLang="en-US" sz="2800" dirty="0">
+          <a:lstStyle/>
+          <a:p>
+            <a:r>
+              <a:rPr kumimoji="1" lang="ja-JP" altLang="en-US" sz="4400" dirty="0">
                 <a:latin typeface="HG明朝E" panose="02020909000000000000" pitchFamily="17" charset="-128"/>
                 <a:ea typeface="HG明朝E" panose="02020909000000000000" pitchFamily="17" charset="-128"/>
               </a:rPr>
-              <a:t>・ジャンプ</a:t>
-            </a:r>
-            <a:endParaRPr lang="en-US" altLang="ja-JP" sz="2800" dirty="0">
-              <a:latin typeface="HG明朝E" panose="02020909000000000000" pitchFamily="17" charset="-128"/>
-              <a:ea typeface="HG明朝E" panose="02020909000000000000" pitchFamily="17" charset="-128"/>
-            </a:endParaRPr>
-          </a:p>
-          <a:p>
-            <a:r>
-              <a:rPr lang="ja-JP" altLang="en-US" sz="2800" dirty="0">
-                <a:latin typeface="HG明朝E" panose="02020909000000000000" pitchFamily="17" charset="-128"/>
-                <a:ea typeface="HG明朝E" panose="02020909000000000000" pitchFamily="17" charset="-128"/>
-              </a:rPr>
-              <a:t>・ダッシュ</a:t>
-            </a:r>
-            <a:endParaRPr lang="en-US" altLang="ja-JP" sz="2800" dirty="0">
-              <a:latin typeface="HG明朝E" panose="02020909000000000000" pitchFamily="17" charset="-128"/>
-              <a:ea typeface="HG明朝E" panose="02020909000000000000" pitchFamily="17" charset="-128"/>
-            </a:endParaRPr>
-          </a:p>
-          <a:p>
-            <a:r>
-              <a:rPr lang="ja-JP" altLang="en-US" sz="2800" dirty="0">
-                <a:latin typeface="HG明朝E" panose="02020909000000000000" pitchFamily="17" charset="-128"/>
-                <a:ea typeface="HG明朝E" panose="02020909000000000000" pitchFamily="17" charset="-128"/>
-              </a:rPr>
-              <a:t>・移動</a:t>
-            </a:r>
-            <a:endParaRPr lang="en-US" altLang="ja-JP" sz="2800" dirty="0">
-              <a:latin typeface="HG明朝E" panose="02020909000000000000" pitchFamily="17" charset="-128"/>
-              <a:ea typeface="HG明朝E" panose="02020909000000000000" pitchFamily="17" charset="-128"/>
-            </a:endParaRPr>
-          </a:p>
-          <a:p>
-            <a:r>
-              <a:rPr lang="ja-JP" altLang="en-US" sz="2800" dirty="0">
-                <a:latin typeface="HG明朝E" panose="02020909000000000000" pitchFamily="17" charset="-128"/>
-                <a:ea typeface="HG明朝E" panose="02020909000000000000" pitchFamily="17" charset="-128"/>
-              </a:rPr>
-              <a:t>・</a:t>
-            </a:r>
-            <a:r>
-              <a:rPr lang="ja-JP" altLang="en-US" sz="2800" dirty="0">
-                <a:solidFill>
-                  <a:srgbClr val="FF0000"/>
-                </a:solidFill>
-                <a:latin typeface="HG明朝E" panose="02020909000000000000" pitchFamily="17" charset="-128"/>
-                <a:ea typeface="HG明朝E" panose="02020909000000000000" pitchFamily="17" charset="-128"/>
-              </a:rPr>
-              <a:t>自爆</a:t>
-            </a:r>
-          </a:p>
-        </p:txBody>
-      </p:sp>
-      <p:sp>
-        <p:nvSpPr>
-          <p:cNvPr id="5" name="タイトル 1">
+              <a:t>アイテム</a:t>
+            </a:r>
+          </a:p>
+        </p:txBody>
+      </p:sp>
+      <p:sp>
+        <p:nvSpPr>
+          <p:cNvPr id="4" name="テキスト ボックス 3">
             <a:extLst>
               <a:ext uri="{FF2B5EF4-FFF2-40B4-BE49-F238E27FC236}">
-                <a16:creationId xmlns:a16="http://schemas.microsoft.com/office/drawing/2014/main" id="{F972C58D-6420-4C70-860E-15C8794E08DF}"/>
-              </a:ext>
-            </a:extLst>
-          </p:cNvPr>
-          <p:cNvSpPr txBox="1">
-            <a:spLocks/>
-          </p:cNvSpPr>
-          <p:nvPr/>
-        </p:nvSpPr>
-        <p:spPr>
-          <a:xfrm>
-            <a:off x="1614518" y="444358"/>
-            <a:ext cx="4406774" cy="1057963"/>
-          </a:xfrm>
-          <a:prstGeom prst="rect">
-            <a:avLst/>
-          </a:prstGeom>
-        </p:spPr>
-        <p:txBody>
-          <a:bodyPr vert="horz" lIns="91440" tIns="45720" rIns="91440" bIns="45720" rtlCol="0" anchor="ctr">
-            <a:normAutofit/>
-          </a:bodyPr>
-          <a:lstStyle>
-            <a:lvl1pPr algn="l" defTabSz="914400" rtl="0" eaLnBrk="1" latinLnBrk="0" hangingPunct="1">
-              <a:lnSpc>
-                <a:spcPct val="90000"/>
-              </a:lnSpc>
-              <a:spcBef>
-                <a:spcPct val="0"/>
-              </a:spcBef>
-              <a:buNone/>
-              <a:defRPr kumimoji="1" sz="4400" kern="1200">
-                <a:solidFill>
-                  <a:schemeClr val="tx1"/>
-                </a:solidFill>
-                <a:latin typeface="+mj-lt"/>
-                <a:ea typeface="+mj-ea"/>
-                <a:cs typeface="+mj-cs"/>
-              </a:defRPr>
-            </a:lvl1pPr>
-          </a:lstStyle>
-          <a:p>
-            <a:r>
-              <a:rPr lang="ja-JP" altLang="en-US" sz="3200" dirty="0">
-                <a:solidFill>
-                  <a:schemeClr val="accent2">
-                    <a:lumMod val="75000"/>
-                  </a:schemeClr>
-                </a:solidFill>
-                <a:latin typeface="HG明朝E" panose="02020909000000000000" pitchFamily="17" charset="-128"/>
-                <a:ea typeface="HG明朝E" panose="02020909000000000000" pitchFamily="17" charset="-128"/>
-              </a:rPr>
-              <a:t>プレイヤーが出来る事</a:t>
-            </a:r>
-          </a:p>
-        </p:txBody>
-      </p:sp>
-      <p:sp>
-        <p:nvSpPr>
-          <p:cNvPr id="6" name="テキスト ボックス 5">
-            <a:extLst>
-              <a:ext uri="{FF2B5EF4-FFF2-40B4-BE49-F238E27FC236}">
-                <a16:creationId xmlns:a16="http://schemas.microsoft.com/office/drawing/2014/main" id="{5F2485F8-0AFA-401F-8BA1-5D5427D5B559}"/>
+                <a16:creationId xmlns:a16="http://schemas.microsoft.com/office/drawing/2014/main" id="{19E5CD59-37AB-491D-A686-1559A679699B}"/>
               </a:ext>
             </a:extLst>
           </p:cNvPr>
@@ -8849,8 +8914,8 @@
         </p:nvSpPr>
         <p:spPr>
           <a:xfrm>
-            <a:off x="4979265" y="3266031"/>
-            <a:ext cx="5197159" cy="1200329"/>
+            <a:off x="838200" y="2612488"/>
+            <a:ext cx="2266682" cy="461665"/>
           </a:xfrm>
           <a:prstGeom prst="rect">
             <a:avLst/>
@@ -8864,81 +8929,28 @@
           <a:lstStyle/>
           <a:p>
             <a:r>
-              <a:rPr kumimoji="1" lang="ja-JP" altLang="en-US" sz="3600" dirty="0">
-                <a:solidFill>
-                  <a:srgbClr val="FF0000"/>
-                </a:solidFill>
+              <a:rPr kumimoji="1" lang="ja-JP" altLang="en-US" sz="2400" dirty="0">
                 <a:latin typeface="HG明朝E" panose="02020909000000000000" pitchFamily="17" charset="-128"/>
                 <a:ea typeface="HG明朝E" panose="02020909000000000000" pitchFamily="17" charset="-128"/>
               </a:rPr>
-              <a:t>ただし発動すると残り</a:t>
-            </a:r>
-            <a:r>
-              <a:rPr kumimoji="1" lang="en-US" altLang="ja-JP" sz="3600" dirty="0">
-                <a:solidFill>
-                  <a:srgbClr val="FF0000"/>
-                </a:solidFill>
+              <a:t>ジャンプ力</a:t>
+            </a:r>
+            <a:r>
+              <a:rPr kumimoji="1" lang="en-US" altLang="ja-JP" sz="2400" dirty="0">
                 <a:latin typeface="HG明朝E" panose="02020909000000000000" pitchFamily="17" charset="-128"/>
                 <a:ea typeface="HG明朝E" panose="02020909000000000000" pitchFamily="17" charset="-128"/>
               </a:rPr>
-              <a:t>HP</a:t>
-            </a:r>
-            <a:r>
-              <a:rPr kumimoji="1" lang="ja-JP" altLang="en-US" sz="3600" dirty="0">
-                <a:solidFill>
-                  <a:srgbClr val="FF0000"/>
-                </a:solidFill>
-                <a:latin typeface="HG明朝E" panose="02020909000000000000" pitchFamily="17" charset="-128"/>
-                <a:ea typeface="HG明朝E" panose="02020909000000000000" pitchFamily="17" charset="-128"/>
-              </a:rPr>
-              <a:t>が</a:t>
-            </a:r>
-            <a:r>
-              <a:rPr kumimoji="1" lang="en-US" altLang="ja-JP" sz="3600" dirty="0">
-                <a:solidFill>
-                  <a:srgbClr val="FF0000"/>
-                </a:solidFill>
-                <a:latin typeface="HG明朝E" panose="02020909000000000000" pitchFamily="17" charset="-128"/>
-                <a:ea typeface="HG明朝E" panose="02020909000000000000" pitchFamily="17" charset="-128"/>
-              </a:rPr>
-              <a:t>1</a:t>
-            </a:r>
-            <a:r>
-              <a:rPr kumimoji="1" lang="ja-JP" altLang="en-US" sz="3600" dirty="0">
-                <a:solidFill>
-                  <a:srgbClr val="FF0000"/>
-                </a:solidFill>
-                <a:latin typeface="HG明朝E" panose="02020909000000000000" pitchFamily="17" charset="-128"/>
-                <a:ea typeface="HG明朝E" panose="02020909000000000000" pitchFamily="17" charset="-128"/>
-              </a:rPr>
-              <a:t>になる</a:t>
-            </a:r>
-            <a:r>
-              <a:rPr kumimoji="1" lang="en-US" altLang="ja-JP" sz="3600" dirty="0">
-                <a:solidFill>
-                  <a:srgbClr val="FF0000"/>
-                </a:solidFill>
-                <a:latin typeface="HG明朝E" panose="02020909000000000000" pitchFamily="17" charset="-128"/>
-                <a:ea typeface="HG明朝E" panose="02020909000000000000" pitchFamily="17" charset="-128"/>
-              </a:rPr>
-              <a:t> </a:t>
-            </a:r>
-            <a:endParaRPr kumimoji="1" lang="ja-JP" altLang="en-US" sz="3600" dirty="0">
-              <a:solidFill>
-                <a:srgbClr val="FF0000"/>
-              </a:solidFill>
-              <a:latin typeface="HG明朝E" panose="02020909000000000000" pitchFamily="17" charset="-128"/>
-              <a:ea typeface="HG明朝E" panose="02020909000000000000" pitchFamily="17" charset="-128"/>
-            </a:endParaRPr>
-          </a:p>
-        </p:txBody>
-      </p:sp>
-      <p:sp>
-        <p:nvSpPr>
-          <p:cNvPr id="7" name="テキスト ボックス 6">
+              <a:t>UP</a:t>
+            </a:r>
+          </a:p>
+        </p:txBody>
+      </p:sp>
+      <p:sp>
+        <p:nvSpPr>
+          <p:cNvPr id="5" name="テキスト ボックス 4">
             <a:extLst>
               <a:ext uri="{FF2B5EF4-FFF2-40B4-BE49-F238E27FC236}">
-                <a16:creationId xmlns:a16="http://schemas.microsoft.com/office/drawing/2014/main" id="{688FBC89-402D-41B8-8983-61E62A407D28}"/>
+                <a16:creationId xmlns:a16="http://schemas.microsoft.com/office/drawing/2014/main" id="{E9CE4EC2-EF49-4336-BA01-27E00A55E879}"/>
               </a:ext>
             </a:extLst>
           </p:cNvPr>
@@ -8947,8 +8959,8 @@
         </p:nvSpPr>
         <p:spPr>
           <a:xfrm>
-            <a:off x="4972284" y="6152032"/>
-            <a:ext cx="5197159" cy="523220"/>
+            <a:off x="838200" y="3691180"/>
+            <a:ext cx="2266682" cy="461665"/>
           </a:xfrm>
           <a:prstGeom prst="rect">
             <a:avLst/>
@@ -8962,42 +8974,28 @@
           <a:lstStyle/>
           <a:p>
             <a:r>
-              <a:rPr kumimoji="1" lang="en-US" altLang="ja-JP" sz="2800" dirty="0">
+              <a:rPr kumimoji="1" lang="ja-JP" altLang="en-US" sz="2400" dirty="0">
                 <a:latin typeface="HG明朝E" panose="02020909000000000000" pitchFamily="17" charset="-128"/>
                 <a:ea typeface="HG明朝E" panose="02020909000000000000" pitchFamily="17" charset="-128"/>
               </a:rPr>
-              <a:t>HP</a:t>
-            </a:r>
-            <a:r>
-              <a:rPr kumimoji="1" lang="ja-JP" altLang="en-US" sz="2800" dirty="0">
+              <a:t>移動速度</a:t>
+            </a:r>
+            <a:r>
+              <a:rPr kumimoji="1" lang="en-US" altLang="ja-JP" sz="2400" dirty="0">
                 <a:latin typeface="HG明朝E" panose="02020909000000000000" pitchFamily="17" charset="-128"/>
                 <a:ea typeface="HG明朝E" panose="02020909000000000000" pitchFamily="17" charset="-128"/>
               </a:rPr>
-              <a:t>が</a:t>
-            </a:r>
-            <a:r>
-              <a:rPr kumimoji="1" lang="en-US" altLang="ja-JP" sz="2800" dirty="0">
-                <a:latin typeface="HG明朝E" panose="02020909000000000000" pitchFamily="17" charset="-128"/>
-                <a:ea typeface="HG明朝E" panose="02020909000000000000" pitchFamily="17" charset="-128"/>
-              </a:rPr>
-              <a:t>0</a:t>
-            </a:r>
-            <a:r>
-              <a:rPr kumimoji="1" lang="ja-JP" altLang="en-US" sz="2800" dirty="0">
-                <a:latin typeface="HG明朝E" panose="02020909000000000000" pitchFamily="17" charset="-128"/>
-                <a:ea typeface="HG明朝E" panose="02020909000000000000" pitchFamily="17" charset="-128"/>
-              </a:rPr>
-              <a:t>になるとゲームオーバー</a:t>
-            </a:r>
-          </a:p>
-        </p:txBody>
-      </p:sp>
-      <p:sp>
-        <p:nvSpPr>
-          <p:cNvPr id="33" name="テキスト ボックス 32">
+              <a:t>UP</a:t>
+            </a:r>
+          </a:p>
+        </p:txBody>
+      </p:sp>
+      <p:sp>
+        <p:nvSpPr>
+          <p:cNvPr id="6" name="テキスト ボックス 5">
             <a:extLst>
               <a:ext uri="{FF2B5EF4-FFF2-40B4-BE49-F238E27FC236}">
-                <a16:creationId xmlns:a16="http://schemas.microsoft.com/office/drawing/2014/main" id="{99945CC3-35B9-4DE5-881E-13CDF32D2D78}"/>
+                <a16:creationId xmlns:a16="http://schemas.microsoft.com/office/drawing/2014/main" id="{037B1740-7564-461B-81F7-65D6BEE49808}"/>
               </a:ext>
             </a:extLst>
           </p:cNvPr>
@@ -9006,8 +9004,8 @@
         </p:nvSpPr>
         <p:spPr>
           <a:xfrm>
-            <a:off x="4979265" y="1760357"/>
-            <a:ext cx="3236378" cy="954107"/>
+            <a:off x="838200" y="3136005"/>
+            <a:ext cx="2266682" cy="461665"/>
           </a:xfrm>
           <a:prstGeom prst="rect">
             <a:avLst/>
@@ -9021,19 +9019,153 @@
           <a:lstStyle/>
           <a:p>
             <a:r>
-              <a:rPr kumimoji="1" lang="ja-JP" altLang="en-US" sz="2800" dirty="0">
+              <a:rPr kumimoji="1" lang="en-US" altLang="ja-JP" sz="2400" dirty="0">
                 <a:latin typeface="HG明朝E" panose="02020909000000000000" pitchFamily="17" charset="-128"/>
                 <a:ea typeface="HG明朝E" panose="02020909000000000000" pitchFamily="17" charset="-128"/>
               </a:rPr>
-              <a:t>敵を踏みつけると倒すことができる</a:t>
-            </a:r>
+              <a:t>HP</a:t>
+            </a:r>
+            <a:r>
+              <a:rPr kumimoji="1" lang="ja-JP" altLang="en-US" sz="2400" dirty="0">
+                <a:latin typeface="HG明朝E" panose="02020909000000000000" pitchFamily="17" charset="-128"/>
+                <a:ea typeface="HG明朝E" panose="02020909000000000000" pitchFamily="17" charset="-128"/>
+              </a:rPr>
+              <a:t>回復</a:t>
+            </a:r>
+            <a:endParaRPr kumimoji="1" lang="en-US" altLang="ja-JP" sz="2400" dirty="0">
+              <a:latin typeface="HG明朝E" panose="02020909000000000000" pitchFamily="17" charset="-128"/>
+              <a:ea typeface="HG明朝E" panose="02020909000000000000" pitchFamily="17" charset="-128"/>
+            </a:endParaRPr>
+          </a:p>
+        </p:txBody>
+      </p:sp>
+      <p:sp>
+        <p:nvSpPr>
+          <p:cNvPr id="7" name="テキスト ボックス 6">
+            <a:extLst>
+              <a:ext uri="{FF2B5EF4-FFF2-40B4-BE49-F238E27FC236}">
+                <a16:creationId xmlns:a16="http://schemas.microsoft.com/office/drawing/2014/main" id="{E02F991B-9126-49C4-9547-4883FD48AB10}"/>
+              </a:ext>
+            </a:extLst>
+          </p:cNvPr>
+          <p:cNvSpPr txBox="1"/>
+          <p:nvPr/>
+        </p:nvSpPr>
+        <p:spPr>
+          <a:xfrm>
+            <a:off x="838200" y="4069527"/>
+            <a:ext cx="2266682" cy="461665"/>
+          </a:xfrm>
+          <a:prstGeom prst="rect">
+            <a:avLst/>
+          </a:prstGeom>
+          <a:noFill/>
+        </p:spPr>
+        <p:txBody>
+          <a:bodyPr wrap="square" rtlCol="0">
+            <a:spAutoFit/>
+          </a:bodyPr>
+          <a:lstStyle/>
+          <a:p>
+            <a:r>
+              <a:rPr kumimoji="1" lang="ja-JP" altLang="en-US" sz="2400" dirty="0">
+                <a:latin typeface="HG明朝E" panose="02020909000000000000" pitchFamily="17" charset="-128"/>
+                <a:ea typeface="HG明朝E" panose="02020909000000000000" pitchFamily="17" charset="-128"/>
+              </a:rPr>
+              <a:t>無敵になる</a:t>
+            </a:r>
+            <a:endParaRPr kumimoji="1" lang="en-US" altLang="ja-JP" sz="2400" dirty="0">
+              <a:latin typeface="HG明朝E" panose="02020909000000000000" pitchFamily="17" charset="-128"/>
+              <a:ea typeface="HG明朝E" panose="02020909000000000000" pitchFamily="17" charset="-128"/>
+            </a:endParaRPr>
+          </a:p>
+        </p:txBody>
+      </p:sp>
+      <p:sp>
+        <p:nvSpPr>
+          <p:cNvPr id="10" name="テキスト ボックス 9">
+            <a:extLst>
+              <a:ext uri="{FF2B5EF4-FFF2-40B4-BE49-F238E27FC236}">
+                <a16:creationId xmlns:a16="http://schemas.microsoft.com/office/drawing/2014/main" id="{C177DE24-7EBB-49A4-9D3B-611D83680723}"/>
+              </a:ext>
+            </a:extLst>
+          </p:cNvPr>
+          <p:cNvSpPr txBox="1"/>
+          <p:nvPr/>
+        </p:nvSpPr>
+        <p:spPr>
+          <a:xfrm>
+            <a:off x="3915714" y="4300359"/>
+            <a:ext cx="5634541" cy="1200329"/>
+          </a:xfrm>
+          <a:prstGeom prst="rect">
+            <a:avLst/>
+          </a:prstGeom>
+          <a:noFill/>
+        </p:spPr>
+        <p:txBody>
+          <a:bodyPr wrap="square" rtlCol="0">
+            <a:spAutoFit/>
+          </a:bodyPr>
+          <a:lstStyle/>
+          <a:p>
+            <a:r>
+              <a:rPr kumimoji="1" lang="ja-JP" altLang="en-US" dirty="0">
+                <a:latin typeface="HG明朝E" panose="02020909000000000000" pitchFamily="17" charset="-128"/>
+                <a:ea typeface="HG明朝E" panose="02020909000000000000" pitchFamily="17" charset="-128"/>
+              </a:rPr>
+              <a:t>・全部取ったらすぐに発動する</a:t>
+            </a:r>
+            <a:endParaRPr kumimoji="1" lang="en-US" altLang="ja-JP" dirty="0">
+              <a:latin typeface="HG明朝E" panose="02020909000000000000" pitchFamily="17" charset="-128"/>
+              <a:ea typeface="HG明朝E" panose="02020909000000000000" pitchFamily="17" charset="-128"/>
+            </a:endParaRPr>
+          </a:p>
+          <a:p>
+            <a:r>
+              <a:rPr lang="ja-JP" altLang="en-US" dirty="0">
+                <a:latin typeface="HG明朝E" panose="02020909000000000000" pitchFamily="17" charset="-128"/>
+                <a:ea typeface="HG明朝E" panose="02020909000000000000" pitchFamily="17" charset="-128"/>
+              </a:rPr>
+              <a:t>・ストックすることはできない</a:t>
+            </a:r>
+            <a:endParaRPr lang="en-US" altLang="ja-JP" dirty="0">
+              <a:latin typeface="HG明朝E" panose="02020909000000000000" pitchFamily="17" charset="-128"/>
+              <a:ea typeface="HG明朝E" panose="02020909000000000000" pitchFamily="17" charset="-128"/>
+            </a:endParaRPr>
+          </a:p>
+          <a:p>
+            <a:r>
+              <a:rPr kumimoji="1" lang="ja-JP" altLang="en-US" dirty="0">
+                <a:latin typeface="HG明朝E" panose="02020909000000000000" pitchFamily="17" charset="-128"/>
+                <a:ea typeface="HG明朝E" panose="02020909000000000000" pitchFamily="17" charset="-128"/>
+              </a:rPr>
+              <a:t>・同じアイテムの効果を二重にすることはできない</a:t>
+            </a:r>
+            <a:endParaRPr kumimoji="1" lang="en-US" altLang="ja-JP" dirty="0">
+              <a:latin typeface="HG明朝E" panose="02020909000000000000" pitchFamily="17" charset="-128"/>
+              <a:ea typeface="HG明朝E" panose="02020909000000000000" pitchFamily="17" charset="-128"/>
+            </a:endParaRPr>
+          </a:p>
+          <a:p>
+            <a:r>
+              <a:rPr lang="ja-JP" altLang="en-US" dirty="0">
+                <a:latin typeface="HG明朝E" panose="02020909000000000000" pitchFamily="17" charset="-128"/>
+                <a:ea typeface="HG明朝E" panose="02020909000000000000" pitchFamily="17" charset="-128"/>
+              </a:rPr>
+              <a:t>・違うアイテムは効果を二重にできる</a:t>
+            </a:r>
+            <a:endParaRPr kumimoji="1" lang="ja-JP" altLang="en-US" dirty="0">
+              <a:latin typeface="HG明朝E" panose="02020909000000000000" pitchFamily="17" charset="-128"/>
+              <a:ea typeface="HG明朝E" panose="02020909000000000000" pitchFamily="17" charset="-128"/>
+            </a:endParaRPr>
           </a:p>
         </p:txBody>
       </p:sp>
     </p:spTree>
     <p:extLst>
       <p:ext uri="{BB962C8B-B14F-4D97-AF65-F5344CB8AC3E}">
-        <p14:creationId xmlns:p14="http://schemas.microsoft.com/office/powerpoint/2010/main" val="2729121590"/>
+        <p14:creationId xmlns:p14="http://schemas.microsoft.com/office/powerpoint/2010/main" val="3819711130"/>
       </p:ext>
     </p:extLst>
   </p:cSld>
@@ -9065,7 +9197,7 @@
           <p:cNvPr id="2" name="タイトル 1">
             <a:extLst>
               <a:ext uri="{FF2B5EF4-FFF2-40B4-BE49-F238E27FC236}">
-                <a16:creationId xmlns:a16="http://schemas.microsoft.com/office/drawing/2014/main" id="{ABF6012A-B922-4560-A3B8-764E871DE6B0}"/>
+                <a16:creationId xmlns:a16="http://schemas.microsoft.com/office/drawing/2014/main" id="{2873D576-2058-4A2E-933B-EC0A92549039}"/>
               </a:ext>
             </a:extLst>
           </p:cNvPr>
@@ -9078,8 +9210,8 @@
         </p:nvSpPr>
         <p:spPr>
           <a:xfrm>
-            <a:off x="1508973" y="511824"/>
-            <a:ext cx="2433035" cy="845488"/>
+            <a:off x="1643270" y="728087"/>
+            <a:ext cx="5986670" cy="1238388"/>
           </a:xfrm>
         </p:spPr>
         <p:txBody>
@@ -9089,11 +9221,11 @@
           <a:lstStyle/>
           <a:p>
             <a:r>
-              <a:rPr kumimoji="1" lang="ja-JP" altLang="en-US" sz="4400" dirty="0">
+              <a:rPr kumimoji="1" lang="ja-JP" altLang="en-US" sz="3200" dirty="0">
                 <a:latin typeface="HG明朝E" panose="02020909000000000000" pitchFamily="17" charset="-128"/>
                 <a:ea typeface="HG明朝E" panose="02020909000000000000" pitchFamily="17" charset="-128"/>
               </a:rPr>
-              <a:t>アイテム</a:t>
+              <a:t>ステージの最奥にはボスがいる</a:t>
             </a:r>
           </a:p>
         </p:txBody>
@@ -9103,7 +9235,7 @@
           <p:cNvPr id="4" name="テキスト ボックス 3">
             <a:extLst>
               <a:ext uri="{FF2B5EF4-FFF2-40B4-BE49-F238E27FC236}">
-                <a16:creationId xmlns:a16="http://schemas.microsoft.com/office/drawing/2014/main" id="{19E5CD59-37AB-491D-A686-1559A679699B}"/>
+                <a16:creationId xmlns:a16="http://schemas.microsoft.com/office/drawing/2014/main" id="{E999D41E-6732-447F-8DE8-9C076AD1325C}"/>
               </a:ext>
             </a:extLst>
           </p:cNvPr>
@@ -9112,8 +9244,8 @@
         </p:nvSpPr>
         <p:spPr>
           <a:xfrm>
-            <a:off x="838200" y="2612488"/>
-            <a:ext cx="2266682" cy="461665"/>
+            <a:off x="1643270" y="2186609"/>
+            <a:ext cx="2319130" cy="369332"/>
           </a:xfrm>
           <a:prstGeom prst="rect">
             <a:avLst/>
@@ -9127,18 +9259,25 @@
           <a:lstStyle/>
           <a:p>
             <a:r>
-              <a:rPr kumimoji="1" lang="ja-JP" altLang="en-US" sz="2400" dirty="0">
+              <a:rPr kumimoji="1" lang="ja-JP" altLang="en-US" dirty="0">
                 <a:latin typeface="HG明朝E" panose="02020909000000000000" pitchFamily="17" charset="-128"/>
                 <a:ea typeface="HG明朝E" panose="02020909000000000000" pitchFamily="17" charset="-128"/>
               </a:rPr>
-              <a:t>ジャンプ力</a:t>
-            </a:r>
-            <a:r>
-              <a:rPr kumimoji="1" lang="en-US" altLang="ja-JP" sz="2400" dirty="0">
+              <a:t>ボスには</a:t>
+            </a:r>
+            <a:r>
+              <a:rPr kumimoji="1" lang="en-US" altLang="ja-JP" dirty="0">
                 <a:latin typeface="HG明朝E" panose="02020909000000000000" pitchFamily="17" charset="-128"/>
                 <a:ea typeface="HG明朝E" panose="02020909000000000000" pitchFamily="17" charset="-128"/>
               </a:rPr>
-              <a:t>UP</a:t>
+              <a:t>HP</a:t>
+            </a:r>
+            <a:r>
+              <a:rPr kumimoji="1" lang="ja-JP" altLang="en-US" dirty="0">
+                <a:latin typeface="HG明朝E" panose="02020909000000000000" pitchFamily="17" charset="-128"/>
+                <a:ea typeface="HG明朝E" panose="02020909000000000000" pitchFamily="17" charset="-128"/>
+              </a:rPr>
+              <a:t>がある</a:t>
             </a:r>
           </a:p>
         </p:txBody>
@@ -9148,7 +9287,7 @@
           <p:cNvPr id="5" name="テキスト ボックス 4">
             <a:extLst>
               <a:ext uri="{FF2B5EF4-FFF2-40B4-BE49-F238E27FC236}">
-                <a16:creationId xmlns:a16="http://schemas.microsoft.com/office/drawing/2014/main" id="{E9CE4EC2-EF49-4336-BA01-27E00A55E879}"/>
+                <a16:creationId xmlns:a16="http://schemas.microsoft.com/office/drawing/2014/main" id="{FDB0E35B-5CD3-44BC-B385-8B282971A27C}"/>
               </a:ext>
             </a:extLst>
           </p:cNvPr>
@@ -9157,8 +9296,8 @@
         </p:nvSpPr>
         <p:spPr>
           <a:xfrm>
-            <a:off x="838200" y="3691180"/>
-            <a:ext cx="2266682" cy="461665"/>
+            <a:off x="357809" y="2555941"/>
+            <a:ext cx="3604591" cy="646331"/>
           </a:xfrm>
           <a:prstGeom prst="rect">
             <a:avLst/>
@@ -9172,18 +9311,25 @@
           <a:lstStyle/>
           <a:p>
             <a:r>
-              <a:rPr kumimoji="1" lang="ja-JP" altLang="en-US" sz="2400" dirty="0">
+              <a:rPr kumimoji="1" lang="ja-JP" altLang="en-US" dirty="0">
                 <a:latin typeface="HG明朝E" panose="02020909000000000000" pitchFamily="17" charset="-128"/>
                 <a:ea typeface="HG明朝E" panose="02020909000000000000" pitchFamily="17" charset="-128"/>
               </a:rPr>
-              <a:t>移動速度</a:t>
-            </a:r>
-            <a:r>
-              <a:rPr kumimoji="1" lang="en-US" altLang="ja-JP" sz="2400" dirty="0">
+              <a:t>ボスの</a:t>
+            </a:r>
+            <a:r>
+              <a:rPr kumimoji="1" lang="en-US" altLang="ja-JP" dirty="0">
                 <a:latin typeface="HG明朝E" panose="02020909000000000000" pitchFamily="17" charset="-128"/>
                 <a:ea typeface="HG明朝E" panose="02020909000000000000" pitchFamily="17" charset="-128"/>
               </a:rPr>
-              <a:t>UP</a:t>
+              <a:t>HP</a:t>
+            </a:r>
+            <a:r>
+              <a:rPr kumimoji="1" lang="ja-JP" altLang="en-US" dirty="0">
+                <a:latin typeface="HG明朝E" panose="02020909000000000000" pitchFamily="17" charset="-128"/>
+                <a:ea typeface="HG明朝E" panose="02020909000000000000" pitchFamily="17" charset="-128"/>
+              </a:rPr>
+              <a:t>を削るにはステージのギミックを使う必要がある</a:t>
             </a:r>
           </a:p>
         </p:txBody>
@@ -9193,7 +9339,7 @@
           <p:cNvPr id="6" name="テキスト ボックス 5">
             <a:extLst>
               <a:ext uri="{FF2B5EF4-FFF2-40B4-BE49-F238E27FC236}">
-                <a16:creationId xmlns:a16="http://schemas.microsoft.com/office/drawing/2014/main" id="{037B1740-7564-461B-81F7-65D6BEE49808}"/>
+                <a16:creationId xmlns:a16="http://schemas.microsoft.com/office/drawing/2014/main" id="{63DEC457-4446-44DB-AB70-203E4F944B2A}"/>
               </a:ext>
             </a:extLst>
           </p:cNvPr>
@@ -9202,8 +9348,8 @@
         </p:nvSpPr>
         <p:spPr>
           <a:xfrm>
-            <a:off x="838200" y="3136005"/>
-            <a:ext cx="2266682" cy="461665"/>
+            <a:off x="5035640" y="5809270"/>
+            <a:ext cx="7044743" cy="646331"/>
           </a:xfrm>
           <a:prstGeom prst="rect">
             <a:avLst/>
@@ -9217,23 +9363,15 @@
           <a:lstStyle/>
           <a:p>
             <a:r>
-              <a:rPr kumimoji="1" lang="en-US" altLang="ja-JP" sz="2400" dirty="0">
+              <a:rPr kumimoji="1" lang="ja-JP" altLang="en-US" sz="3600" dirty="0">
+                <a:solidFill>
+                  <a:srgbClr val="FF0000"/>
+                </a:solidFill>
                 <a:latin typeface="HG明朝E" panose="02020909000000000000" pitchFamily="17" charset="-128"/>
                 <a:ea typeface="HG明朝E" panose="02020909000000000000" pitchFamily="17" charset="-128"/>
               </a:rPr>
-              <a:t>HP</a:t>
-            </a:r>
-            <a:r>
-              <a:rPr kumimoji="1" lang="ja-JP" altLang="en-US" sz="2400" dirty="0">
-                <a:latin typeface="HG明朝E" panose="02020909000000000000" pitchFamily="17" charset="-128"/>
-                <a:ea typeface="HG明朝E" panose="02020909000000000000" pitchFamily="17" charset="-128"/>
-              </a:rPr>
-              <a:t>回復</a:t>
-            </a:r>
-            <a:endParaRPr kumimoji="1" lang="en-US" altLang="ja-JP" sz="2400" dirty="0">
-              <a:latin typeface="HG明朝E" panose="02020909000000000000" pitchFamily="17" charset="-128"/>
-              <a:ea typeface="HG明朝E" panose="02020909000000000000" pitchFamily="17" charset="-128"/>
-            </a:endParaRPr>
+              <a:t>ボスを倒したらゲームクリア！！</a:t>
+            </a:r>
           </a:p>
         </p:txBody>
       </p:sp>
@@ -9242,7 +9380,7 @@
           <p:cNvPr id="7" name="テキスト ボックス 6">
             <a:extLst>
               <a:ext uri="{FF2B5EF4-FFF2-40B4-BE49-F238E27FC236}">
-                <a16:creationId xmlns:a16="http://schemas.microsoft.com/office/drawing/2014/main" id="{E02F991B-9126-49C4-9547-4883FD48AB10}"/>
+                <a16:creationId xmlns:a16="http://schemas.microsoft.com/office/drawing/2014/main" id="{CB96D376-4E1A-457D-AA96-0777DC8D82C2}"/>
               </a:ext>
             </a:extLst>
           </p:cNvPr>
@@ -9251,8 +9389,8 @@
         </p:nvSpPr>
         <p:spPr>
           <a:xfrm>
-            <a:off x="838200" y="4069527"/>
-            <a:ext cx="2266682" cy="461665"/>
+            <a:off x="695459" y="3734873"/>
+            <a:ext cx="3979572" cy="369332"/>
           </a:xfrm>
           <a:prstGeom prst="rect">
             <a:avLst/>
@@ -9266,104 +9404,19 @@
           <a:lstStyle/>
           <a:p>
             <a:r>
-              <a:rPr kumimoji="1" lang="ja-JP" altLang="en-US" sz="2400" dirty="0">
-                <a:latin typeface="HG明朝E" panose="02020909000000000000" pitchFamily="17" charset="-128"/>
-                <a:ea typeface="HG明朝E" panose="02020909000000000000" pitchFamily="17" charset="-128"/>
-              </a:rPr>
-              <a:t>無敵になる</a:t>
-            </a:r>
-            <a:endParaRPr kumimoji="1" lang="en-US" altLang="ja-JP" sz="2400" dirty="0">
-              <a:latin typeface="HG明朝E" panose="02020909000000000000" pitchFamily="17" charset="-128"/>
-              <a:ea typeface="HG明朝E" panose="02020909000000000000" pitchFamily="17" charset="-128"/>
-            </a:endParaRPr>
-          </a:p>
-        </p:txBody>
-      </p:sp>
-      <p:sp>
-        <p:nvSpPr>
-          <p:cNvPr id="10" name="テキスト ボックス 9">
-            <a:extLst>
-              <a:ext uri="{FF2B5EF4-FFF2-40B4-BE49-F238E27FC236}">
-                <a16:creationId xmlns:a16="http://schemas.microsoft.com/office/drawing/2014/main" id="{C177DE24-7EBB-49A4-9D3B-611D83680723}"/>
-              </a:ext>
-            </a:extLst>
-          </p:cNvPr>
-          <p:cNvSpPr txBox="1"/>
-          <p:nvPr/>
-        </p:nvSpPr>
-        <p:spPr>
-          <a:xfrm>
-            <a:off x="3915714" y="4300359"/>
-            <a:ext cx="5634541" cy="1200329"/>
-          </a:xfrm>
-          <a:prstGeom prst="rect">
-            <a:avLst/>
-          </a:prstGeom>
-          <a:noFill/>
-        </p:spPr>
-        <p:txBody>
-          <a:bodyPr wrap="square" rtlCol="0">
-            <a:spAutoFit/>
-          </a:bodyPr>
-          <a:lstStyle/>
-          <a:p>
-            <a:r>
               <a:rPr kumimoji="1" lang="ja-JP" altLang="en-US" dirty="0">
                 <a:latin typeface="HG明朝E" panose="02020909000000000000" pitchFamily="17" charset="-128"/>
                 <a:ea typeface="HG明朝E" panose="02020909000000000000" pitchFamily="17" charset="-128"/>
               </a:rPr>
-              <a:t>・全部取ったらすぐに発動する</a:t>
-            </a:r>
-            <a:endParaRPr kumimoji="1" lang="en-US" altLang="ja-JP" dirty="0">
-              <a:latin typeface="HG明朝E" panose="02020909000000000000" pitchFamily="17" charset="-128"/>
-              <a:ea typeface="HG明朝E" panose="02020909000000000000" pitchFamily="17" charset="-128"/>
-            </a:endParaRPr>
-          </a:p>
-          <a:p>
-            <a:r>
-              <a:rPr lang="ja-JP" altLang="en-US" dirty="0">
-                <a:latin typeface="HG明朝E" panose="02020909000000000000" pitchFamily="17" charset="-128"/>
-                <a:ea typeface="HG明朝E" panose="02020909000000000000" pitchFamily="17" charset="-128"/>
-              </a:rPr>
-              <a:t>・ストックすることはできない</a:t>
-            </a:r>
-            <a:endParaRPr lang="en-US" altLang="ja-JP" dirty="0">
-              <a:latin typeface="HG明朝E" panose="02020909000000000000" pitchFamily="17" charset="-128"/>
-              <a:ea typeface="HG明朝E" panose="02020909000000000000" pitchFamily="17" charset="-128"/>
-            </a:endParaRPr>
-          </a:p>
-          <a:p>
-            <a:r>
-              <a:rPr kumimoji="1" lang="ja-JP" altLang="en-US" dirty="0">
-                <a:latin typeface="HG明朝E" panose="02020909000000000000" pitchFamily="17" charset="-128"/>
-                <a:ea typeface="HG明朝E" panose="02020909000000000000" pitchFamily="17" charset="-128"/>
-              </a:rPr>
-              <a:t>・同じアイテムの効果を二重にすることはできない</a:t>
-            </a:r>
-            <a:endParaRPr kumimoji="1" lang="en-US" altLang="ja-JP" dirty="0">
-              <a:latin typeface="HG明朝E" panose="02020909000000000000" pitchFamily="17" charset="-128"/>
-              <a:ea typeface="HG明朝E" panose="02020909000000000000" pitchFamily="17" charset="-128"/>
-            </a:endParaRPr>
-          </a:p>
-          <a:p>
-            <a:r>
-              <a:rPr lang="ja-JP" altLang="en-US" dirty="0">
-                <a:latin typeface="HG明朝E" panose="02020909000000000000" pitchFamily="17" charset="-128"/>
-                <a:ea typeface="HG明朝E" panose="02020909000000000000" pitchFamily="17" charset="-128"/>
-              </a:rPr>
-              <a:t>・違うアイテムは効果を二重にできる</a:t>
-            </a:r>
-            <a:endParaRPr kumimoji="1" lang="ja-JP" altLang="en-US" dirty="0">
-              <a:latin typeface="HG明朝E" panose="02020909000000000000" pitchFamily="17" charset="-128"/>
-              <a:ea typeface="HG明朝E" panose="02020909000000000000" pitchFamily="17" charset="-128"/>
-            </a:endParaRPr>
+              <a:t>例：</a:t>
+            </a:r>
           </a:p>
         </p:txBody>
       </p:sp>
     </p:spTree>
     <p:extLst>
       <p:ext uri="{BB962C8B-B14F-4D97-AF65-F5344CB8AC3E}">
-        <p14:creationId xmlns:p14="http://schemas.microsoft.com/office/powerpoint/2010/main" val="3819711130"/>
+        <p14:creationId xmlns:p14="http://schemas.microsoft.com/office/powerpoint/2010/main" val="2301606812"/>
       </p:ext>
     </p:extLst>
   </p:cSld>
@@ -9395,7 +9448,7 @@
           <p:cNvPr id="2" name="タイトル 1">
             <a:extLst>
               <a:ext uri="{FF2B5EF4-FFF2-40B4-BE49-F238E27FC236}">
-                <a16:creationId xmlns:a16="http://schemas.microsoft.com/office/drawing/2014/main" id="{2873D576-2058-4A2E-933B-EC0A92549039}"/>
+                <a16:creationId xmlns:a16="http://schemas.microsoft.com/office/drawing/2014/main" id="{70BA5220-1419-45E5-95CF-0EDD56AD9158}"/>
               </a:ext>
             </a:extLst>
           </p:cNvPr>
@@ -9408,52 +9461,12 @@
         </p:nvSpPr>
         <p:spPr>
           <a:xfrm>
-            <a:off x="1643270" y="728087"/>
-            <a:ext cx="5986670" cy="1238388"/>
+            <a:off x="1640156" y="585473"/>
+            <a:ext cx="8911687" cy="1280890"/>
           </a:xfrm>
         </p:spPr>
         <p:txBody>
-          <a:bodyPr>
-            <a:normAutofit/>
-          </a:bodyPr>
-          <a:lstStyle/>
-          <a:p>
-            <a:r>
-              <a:rPr kumimoji="1" lang="ja-JP" altLang="en-US" sz="3200" dirty="0">
-                <a:latin typeface="HG明朝E" panose="02020909000000000000" pitchFamily="17" charset="-128"/>
-                <a:ea typeface="HG明朝E" panose="02020909000000000000" pitchFamily="17" charset="-128"/>
-              </a:rPr>
-              <a:t>ステージの最奥にはボスがいる</a:t>
-            </a:r>
-          </a:p>
-        </p:txBody>
-      </p:sp>
-      <p:sp>
-        <p:nvSpPr>
-          <p:cNvPr id="4" name="テキスト ボックス 3">
-            <a:extLst>
-              <a:ext uri="{FF2B5EF4-FFF2-40B4-BE49-F238E27FC236}">
-                <a16:creationId xmlns:a16="http://schemas.microsoft.com/office/drawing/2014/main" id="{E999D41E-6732-447F-8DE8-9C076AD1325C}"/>
-              </a:ext>
-            </a:extLst>
-          </p:cNvPr>
-          <p:cNvSpPr txBox="1"/>
-          <p:nvPr/>
-        </p:nvSpPr>
-        <p:spPr>
-          <a:xfrm>
-            <a:off x="1643270" y="2186609"/>
-            <a:ext cx="2319130" cy="369332"/>
-          </a:xfrm>
-          <a:prstGeom prst="rect">
-            <a:avLst/>
-          </a:prstGeom>
-          <a:noFill/>
-        </p:spPr>
-        <p:txBody>
-          <a:bodyPr wrap="square" rtlCol="0">
-            <a:spAutoFit/>
-          </a:bodyPr>
+          <a:bodyPr/>
           <a:lstStyle/>
           <a:p>
             <a:r>
@@ -9461,152 +9474,7 @@
                 <a:latin typeface="HG明朝E" panose="02020909000000000000" pitchFamily="17" charset="-128"/>
                 <a:ea typeface="HG明朝E" panose="02020909000000000000" pitchFamily="17" charset="-128"/>
               </a:rPr>
-              <a:t>ボスには</a:t>
-            </a:r>
-            <a:r>
-              <a:rPr kumimoji="1" lang="en-US" altLang="ja-JP" dirty="0">
-                <a:latin typeface="HG明朝E" panose="02020909000000000000" pitchFamily="17" charset="-128"/>
-                <a:ea typeface="HG明朝E" panose="02020909000000000000" pitchFamily="17" charset="-128"/>
-              </a:rPr>
-              <a:t>HP</a:t>
-            </a:r>
-            <a:r>
-              <a:rPr kumimoji="1" lang="ja-JP" altLang="en-US" dirty="0">
-                <a:latin typeface="HG明朝E" panose="02020909000000000000" pitchFamily="17" charset="-128"/>
-                <a:ea typeface="HG明朝E" panose="02020909000000000000" pitchFamily="17" charset="-128"/>
-              </a:rPr>
-              <a:t>がある</a:t>
-            </a:r>
-          </a:p>
-        </p:txBody>
-      </p:sp>
-      <p:sp>
-        <p:nvSpPr>
-          <p:cNvPr id="5" name="テキスト ボックス 4">
-            <a:extLst>
-              <a:ext uri="{FF2B5EF4-FFF2-40B4-BE49-F238E27FC236}">
-                <a16:creationId xmlns:a16="http://schemas.microsoft.com/office/drawing/2014/main" id="{FDB0E35B-5CD3-44BC-B385-8B282971A27C}"/>
-              </a:ext>
-            </a:extLst>
-          </p:cNvPr>
-          <p:cNvSpPr txBox="1"/>
-          <p:nvPr/>
-        </p:nvSpPr>
-        <p:spPr>
-          <a:xfrm>
-            <a:off x="357809" y="2555941"/>
-            <a:ext cx="3604591" cy="646331"/>
-          </a:xfrm>
-          <a:prstGeom prst="rect">
-            <a:avLst/>
-          </a:prstGeom>
-          <a:noFill/>
-        </p:spPr>
-        <p:txBody>
-          <a:bodyPr wrap="square" rtlCol="0">
-            <a:spAutoFit/>
-          </a:bodyPr>
-          <a:lstStyle/>
-          <a:p>
-            <a:r>
-              <a:rPr kumimoji="1" lang="ja-JP" altLang="en-US" dirty="0">
-                <a:latin typeface="HG明朝E" panose="02020909000000000000" pitchFamily="17" charset="-128"/>
-                <a:ea typeface="HG明朝E" panose="02020909000000000000" pitchFamily="17" charset="-128"/>
-              </a:rPr>
-              <a:t>ボスの</a:t>
-            </a:r>
-            <a:r>
-              <a:rPr kumimoji="1" lang="en-US" altLang="ja-JP" dirty="0">
-                <a:latin typeface="HG明朝E" panose="02020909000000000000" pitchFamily="17" charset="-128"/>
-                <a:ea typeface="HG明朝E" panose="02020909000000000000" pitchFamily="17" charset="-128"/>
-              </a:rPr>
-              <a:t>HP</a:t>
-            </a:r>
-            <a:r>
-              <a:rPr kumimoji="1" lang="ja-JP" altLang="en-US" dirty="0">
-                <a:latin typeface="HG明朝E" panose="02020909000000000000" pitchFamily="17" charset="-128"/>
-                <a:ea typeface="HG明朝E" panose="02020909000000000000" pitchFamily="17" charset="-128"/>
-              </a:rPr>
-              <a:t>を削るにはステージのギミックを使う必要がある</a:t>
-            </a:r>
-          </a:p>
-        </p:txBody>
-      </p:sp>
-      <p:sp>
-        <p:nvSpPr>
-          <p:cNvPr id="6" name="テキスト ボックス 5">
-            <a:extLst>
-              <a:ext uri="{FF2B5EF4-FFF2-40B4-BE49-F238E27FC236}">
-                <a16:creationId xmlns:a16="http://schemas.microsoft.com/office/drawing/2014/main" id="{63DEC457-4446-44DB-AB70-203E4F944B2A}"/>
-              </a:ext>
-            </a:extLst>
-          </p:cNvPr>
-          <p:cNvSpPr txBox="1"/>
-          <p:nvPr/>
-        </p:nvSpPr>
-        <p:spPr>
-          <a:xfrm>
-            <a:off x="5035640" y="5809270"/>
-            <a:ext cx="7044743" cy="646331"/>
-          </a:xfrm>
-          <a:prstGeom prst="rect">
-            <a:avLst/>
-          </a:prstGeom>
-          <a:noFill/>
-        </p:spPr>
-        <p:txBody>
-          <a:bodyPr wrap="square" rtlCol="0">
-            <a:spAutoFit/>
-          </a:bodyPr>
-          <a:lstStyle/>
-          <a:p>
-            <a:r>
-              <a:rPr kumimoji="1" lang="ja-JP" altLang="en-US" sz="3600" dirty="0">
-                <a:solidFill>
-                  <a:srgbClr val="FF0000"/>
-                </a:solidFill>
-                <a:latin typeface="HG明朝E" panose="02020909000000000000" pitchFamily="17" charset="-128"/>
-                <a:ea typeface="HG明朝E" panose="02020909000000000000" pitchFamily="17" charset="-128"/>
-              </a:rPr>
-              <a:t>ボスを倒したらゲームクリア！！</a:t>
-            </a:r>
-          </a:p>
-        </p:txBody>
-      </p:sp>
-      <p:sp>
-        <p:nvSpPr>
-          <p:cNvPr id="7" name="テキスト ボックス 6">
-            <a:extLst>
-              <a:ext uri="{FF2B5EF4-FFF2-40B4-BE49-F238E27FC236}">
-                <a16:creationId xmlns:a16="http://schemas.microsoft.com/office/drawing/2014/main" id="{CB96D376-4E1A-457D-AA96-0777DC8D82C2}"/>
-              </a:ext>
-            </a:extLst>
-          </p:cNvPr>
-          <p:cNvSpPr txBox="1"/>
-          <p:nvPr/>
-        </p:nvSpPr>
-        <p:spPr>
-          <a:xfrm>
-            <a:off x="695459" y="3734873"/>
-            <a:ext cx="3979572" cy="369332"/>
-          </a:xfrm>
-          <a:prstGeom prst="rect">
-            <a:avLst/>
-          </a:prstGeom>
-          <a:noFill/>
-        </p:spPr>
-        <p:txBody>
-          <a:bodyPr wrap="square" rtlCol="0">
-            <a:spAutoFit/>
-          </a:bodyPr>
-          <a:lstStyle/>
-          <a:p>
-            <a:r>
-              <a:rPr kumimoji="1" lang="ja-JP" altLang="en-US" dirty="0">
-                <a:latin typeface="HG明朝E" panose="02020909000000000000" pitchFamily="17" charset="-128"/>
-                <a:ea typeface="HG明朝E" panose="02020909000000000000" pitchFamily="17" charset="-128"/>
-              </a:rPr>
-              <a:t>例：</a:t>
+              <a:t>画面イメージ</a:t>
             </a:r>
           </a:p>
         </p:txBody>
@@ -9614,7 +9482,7 @@
     </p:spTree>
     <p:extLst>
       <p:ext uri="{BB962C8B-B14F-4D97-AF65-F5344CB8AC3E}">
-        <p14:creationId xmlns:p14="http://schemas.microsoft.com/office/powerpoint/2010/main" val="2301606812"/>
+        <p14:creationId xmlns:p14="http://schemas.microsoft.com/office/powerpoint/2010/main" val="1192230310"/>
       </p:ext>
     </p:extLst>
   </p:cSld>
@@ -9646,72 +9514,6 @@
           <p:cNvPr id="2" name="タイトル 1">
             <a:extLst>
               <a:ext uri="{FF2B5EF4-FFF2-40B4-BE49-F238E27FC236}">
-                <a16:creationId xmlns:a16="http://schemas.microsoft.com/office/drawing/2014/main" id="{70BA5220-1419-45E5-95CF-0EDD56AD9158}"/>
-              </a:ext>
-            </a:extLst>
-          </p:cNvPr>
-          <p:cNvSpPr>
-            <a:spLocks noGrp="1"/>
-          </p:cNvSpPr>
-          <p:nvPr>
-            <p:ph type="title"/>
-          </p:nvPr>
-        </p:nvSpPr>
-        <p:spPr>
-          <a:xfrm>
-            <a:off x="1640156" y="585473"/>
-            <a:ext cx="8911687" cy="1280890"/>
-          </a:xfrm>
-        </p:spPr>
-        <p:txBody>
-          <a:bodyPr/>
-          <a:lstStyle/>
-          <a:p>
-            <a:r>
-              <a:rPr kumimoji="1" lang="ja-JP" altLang="en-US" dirty="0">
-                <a:latin typeface="HG明朝E" panose="02020909000000000000" pitchFamily="17" charset="-128"/>
-                <a:ea typeface="HG明朝E" panose="02020909000000000000" pitchFamily="17" charset="-128"/>
-              </a:rPr>
-              <a:t>画面イメージ</a:t>
-            </a:r>
-          </a:p>
-        </p:txBody>
-      </p:sp>
-    </p:spTree>
-    <p:extLst>
-      <p:ext uri="{BB962C8B-B14F-4D97-AF65-F5344CB8AC3E}">
-        <p14:creationId xmlns:p14="http://schemas.microsoft.com/office/powerpoint/2010/main" val="1192230310"/>
-      </p:ext>
-    </p:extLst>
-  </p:cSld>
-  <p:clrMapOvr>
-    <a:masterClrMapping/>
-  </p:clrMapOvr>
-</p:sld>
-</file>
-
-<file path=ppt/slides/slide8.xml><?xml version="1.0" encoding="utf-8"?>
-<p:sld xmlns:a="http://schemas.openxmlformats.org/drawingml/2006/main" xmlns:r="http://schemas.openxmlformats.org/officeDocument/2006/relationships" xmlns:p="http://schemas.openxmlformats.org/presentationml/2006/main">
-  <p:cSld>
-    <p:spTree>
-      <p:nvGrpSpPr>
-        <p:cNvPr id="1" name=""/>
-        <p:cNvGrpSpPr/>
-        <p:nvPr/>
-      </p:nvGrpSpPr>
-      <p:grpSpPr>
-        <a:xfrm>
-          <a:off x="0" y="0"/>
-          <a:ext cx="0" cy="0"/>
-          <a:chOff x="0" y="0"/>
-          <a:chExt cx="0" cy="0"/>
-        </a:xfrm>
-      </p:grpSpPr>
-      <p:sp>
-        <p:nvSpPr>
-          <p:cNvPr id="2" name="タイトル 1">
-            <a:extLst>
-              <a:ext uri="{FF2B5EF4-FFF2-40B4-BE49-F238E27FC236}">
                 <a16:creationId xmlns:a16="http://schemas.microsoft.com/office/drawing/2014/main" id="{BAF90E79-2D61-4D83-97E8-A72436CC9B06}"/>
               </a:ext>
             </a:extLst>
@@ -9789,220 +9591,6 @@
     <p:extLst>
       <p:ext uri="{BB962C8B-B14F-4D97-AF65-F5344CB8AC3E}">
         <p14:creationId xmlns:p14="http://schemas.microsoft.com/office/powerpoint/2010/main" val="3177666688"/>
-      </p:ext>
-    </p:extLst>
-  </p:cSld>
-  <p:clrMapOvr>
-    <a:masterClrMapping/>
-  </p:clrMapOvr>
-</p:sld>
-</file>
-
-<file path=ppt/slides/slide9.xml><?xml version="1.0" encoding="utf-8"?>
-<p:sld xmlns:a="http://schemas.openxmlformats.org/drawingml/2006/main" xmlns:r="http://schemas.openxmlformats.org/officeDocument/2006/relationships" xmlns:p="http://schemas.openxmlformats.org/presentationml/2006/main">
-  <p:cSld>
-    <p:spTree>
-      <p:nvGrpSpPr>
-        <p:cNvPr id="1" name=""/>
-        <p:cNvGrpSpPr/>
-        <p:nvPr/>
-      </p:nvGrpSpPr>
-      <p:grpSpPr>
-        <a:xfrm>
-          <a:off x="0" y="0"/>
-          <a:ext cx="0" cy="0"/>
-          <a:chOff x="0" y="0"/>
-          <a:chExt cx="0" cy="0"/>
-        </a:xfrm>
-      </p:grpSpPr>
-      <p:sp>
-        <p:nvSpPr>
-          <p:cNvPr id="2" name="タイトル 1">
-            <a:extLst>
-              <a:ext uri="{FF2B5EF4-FFF2-40B4-BE49-F238E27FC236}">
-                <a16:creationId xmlns:a16="http://schemas.microsoft.com/office/drawing/2014/main" id="{61E9D3C8-30BE-4E73-8F0B-07A13F504159}"/>
-              </a:ext>
-            </a:extLst>
-          </p:cNvPr>
-          <p:cNvSpPr>
-            <a:spLocks noGrp="1"/>
-          </p:cNvSpPr>
-          <p:nvPr>
-            <p:ph type="title"/>
-          </p:nvPr>
-        </p:nvSpPr>
-        <p:spPr>
-          <a:xfrm>
-            <a:off x="1640156" y="647346"/>
-            <a:ext cx="8911687" cy="1280890"/>
-          </a:xfrm>
-        </p:spPr>
-        <p:txBody>
-          <a:bodyPr/>
-          <a:lstStyle/>
-          <a:p>
-            <a:r>
-              <a:rPr kumimoji="1" lang="ja-JP" altLang="en-US" dirty="0">
-                <a:latin typeface="HG明朝E" panose="02020909000000000000" pitchFamily="17" charset="-128"/>
-                <a:ea typeface="HG明朝E" panose="02020909000000000000" pitchFamily="17" charset="-128"/>
-              </a:rPr>
-              <a:t>使用モデル</a:t>
-            </a:r>
-          </a:p>
-        </p:txBody>
-      </p:sp>
-      <p:pic>
-        <p:nvPicPr>
-          <p:cNvPr id="5" name="図 4">
-            <a:extLst>
-              <a:ext uri="{FF2B5EF4-FFF2-40B4-BE49-F238E27FC236}">
-                <a16:creationId xmlns:a16="http://schemas.microsoft.com/office/drawing/2014/main" id="{15BE48F8-AE2A-4B03-AFC9-449F95D82CC5}"/>
-              </a:ext>
-            </a:extLst>
-          </p:cNvPr>
-          <p:cNvPicPr>
-            <a:picLocks noChangeAspect="1"/>
-          </p:cNvPicPr>
-          <p:nvPr/>
-        </p:nvPicPr>
-        <p:blipFill>
-          <a:blip r:embed="rId2">
-            <a:extLst>
-              <a:ext uri="{28A0092B-C50C-407E-A947-70E740481C1C}">
-                <a14:useLocalDpi xmlns:a14="http://schemas.microsoft.com/office/drawing/2010/main" val="0"/>
-              </a:ext>
-            </a:extLst>
-          </a:blip>
-          <a:stretch>
-            <a:fillRect/>
-          </a:stretch>
-        </p:blipFill>
-        <p:spPr>
-          <a:xfrm>
-            <a:off x="838200" y="2271551"/>
-            <a:ext cx="3978119" cy="4221324"/>
-          </a:xfrm>
-          <a:prstGeom prst="rect">
-            <a:avLst/>
-          </a:prstGeom>
-        </p:spPr>
-      </p:pic>
-      <p:sp>
-        <p:nvSpPr>
-          <p:cNvPr id="6" name="テキスト ボックス 5">
-            <a:extLst>
-              <a:ext uri="{FF2B5EF4-FFF2-40B4-BE49-F238E27FC236}">
-                <a16:creationId xmlns:a16="http://schemas.microsoft.com/office/drawing/2014/main" id="{ED6758FD-4187-49FD-92F3-970419208743}"/>
-              </a:ext>
-            </a:extLst>
-          </p:cNvPr>
-          <p:cNvSpPr txBox="1"/>
-          <p:nvPr/>
-        </p:nvSpPr>
-        <p:spPr>
-          <a:xfrm>
-            <a:off x="838200" y="1693068"/>
-            <a:ext cx="3424708" cy="523220"/>
-          </a:xfrm>
-          <a:prstGeom prst="rect">
-            <a:avLst/>
-          </a:prstGeom>
-          <a:noFill/>
-        </p:spPr>
-        <p:txBody>
-          <a:bodyPr wrap="square" rtlCol="0">
-            <a:spAutoFit/>
-          </a:bodyPr>
-          <a:lstStyle/>
-          <a:p>
-            <a:r>
-              <a:rPr kumimoji="1" lang="ja-JP" altLang="en-US" sz="2800" dirty="0">
-                <a:latin typeface="HG明朝E" panose="02020909000000000000" pitchFamily="17" charset="-128"/>
-                <a:ea typeface="HG明朝E" panose="02020909000000000000" pitchFamily="17" charset="-128"/>
-              </a:rPr>
-              <a:t>プレイヤー</a:t>
-            </a:r>
-          </a:p>
-        </p:txBody>
-      </p:sp>
-      <p:sp>
-        <p:nvSpPr>
-          <p:cNvPr id="7" name="テキスト ボックス 6">
-            <a:extLst>
-              <a:ext uri="{FF2B5EF4-FFF2-40B4-BE49-F238E27FC236}">
-                <a16:creationId xmlns:a16="http://schemas.microsoft.com/office/drawing/2014/main" id="{32FD358F-7455-4F57-8EE9-F2CD1B539DA8}"/>
-              </a:ext>
-            </a:extLst>
-          </p:cNvPr>
-          <p:cNvSpPr txBox="1"/>
-          <p:nvPr/>
-        </p:nvSpPr>
-        <p:spPr>
-          <a:xfrm>
-            <a:off x="5089682" y="1981119"/>
-            <a:ext cx="2135365" cy="461665"/>
-          </a:xfrm>
-          <a:prstGeom prst="rect">
-            <a:avLst/>
-          </a:prstGeom>
-          <a:noFill/>
-        </p:spPr>
-        <p:txBody>
-          <a:bodyPr wrap="square" rtlCol="0">
-            <a:spAutoFit/>
-          </a:bodyPr>
-          <a:lstStyle/>
-          <a:p>
-            <a:r>
-              <a:rPr kumimoji="1" lang="ja-JP" altLang="en-US" sz="2400" dirty="0">
-                <a:latin typeface="HG明朝E" panose="02020909000000000000" pitchFamily="17" charset="-128"/>
-                <a:ea typeface="HG明朝E" panose="02020909000000000000" pitchFamily="17" charset="-128"/>
-              </a:rPr>
-              <a:t>素材リンク</a:t>
-            </a:r>
-          </a:p>
-        </p:txBody>
-      </p:sp>
-      <p:sp>
-        <p:nvSpPr>
-          <p:cNvPr id="8" name="テキスト ボックス 7">
-            <a:extLst>
-              <a:ext uri="{FF2B5EF4-FFF2-40B4-BE49-F238E27FC236}">
-                <a16:creationId xmlns:a16="http://schemas.microsoft.com/office/drawing/2014/main" id="{8C27FC3B-424E-443E-87CE-DE21BFD9C6AA}"/>
-              </a:ext>
-            </a:extLst>
-          </p:cNvPr>
-          <p:cNvSpPr txBox="1"/>
-          <p:nvPr/>
-        </p:nvSpPr>
-        <p:spPr>
-          <a:xfrm>
-            <a:off x="5089683" y="2495667"/>
-            <a:ext cx="4572000" cy="369332"/>
-          </a:xfrm>
-          <a:prstGeom prst="rect">
-            <a:avLst/>
-          </a:prstGeom>
-          <a:noFill/>
-        </p:spPr>
-        <p:txBody>
-          <a:bodyPr wrap="square" rtlCol="0">
-            <a:spAutoFit/>
-          </a:bodyPr>
-          <a:lstStyle/>
-          <a:p>
-            <a:r>
-              <a:rPr kumimoji="1" lang="en-US" altLang="ja-JP" dirty="0"/>
-              <a:t>https://quaternius.itch.io/lowpoly-robot</a:t>
-            </a:r>
-            <a:endParaRPr kumimoji="1" lang="ja-JP" altLang="en-US" dirty="0"/>
-          </a:p>
-        </p:txBody>
-      </p:sp>
-    </p:spTree>
-    <p:extLst>
-      <p:ext uri="{BB962C8B-B14F-4D97-AF65-F5344CB8AC3E}">
-        <p14:creationId xmlns:p14="http://schemas.microsoft.com/office/powerpoint/2010/main" val="3009068609"/>
       </p:ext>
     </p:extLst>
   </p:cSld>
